--- a/docs/다이어그램.pptx
+++ b/docs/다이어그램.pptx
@@ -106,6 +106,11 @@
       </a:defRPr>
     </a:lvl9pPr>
   </p:defaultTextStyle>
+  <p:extLst>
+    <p:ext uri="{EFAFB233-063F-42B5-8137-9DF3F51BA10A}">
+      <p15:sldGuideLst xmlns:p15="http://schemas.microsoft.com/office/powerpoint/2012/main"/>
+    </p:ext>
+  </p:extLst>
 </p:presentation>
 </file>
 
@@ -256,7 +261,7 @@
           <a:p>
             <a:fld id="{AA655946-747C-40DE-A69B-ABAA2F058DB3}" type="datetimeFigureOut">
               <a:rPr lang="ko-KR" altLang="en-US" smtClean="0"/>
-              <a:t>2026-02-11</a:t>
+              <a:t>2026-02-16</a:t>
             </a:fld>
             <a:endParaRPr lang="ko-KR" altLang="en-US"/>
           </a:p>
@@ -454,7 +459,7 @@
           <a:p>
             <a:fld id="{AA655946-747C-40DE-A69B-ABAA2F058DB3}" type="datetimeFigureOut">
               <a:rPr lang="ko-KR" altLang="en-US" smtClean="0"/>
-              <a:t>2026-02-11</a:t>
+              <a:t>2026-02-16</a:t>
             </a:fld>
             <a:endParaRPr lang="ko-KR" altLang="en-US"/>
           </a:p>
@@ -662,7 +667,7 @@
           <a:p>
             <a:fld id="{AA655946-747C-40DE-A69B-ABAA2F058DB3}" type="datetimeFigureOut">
               <a:rPr lang="ko-KR" altLang="en-US" smtClean="0"/>
-              <a:t>2026-02-11</a:t>
+              <a:t>2026-02-16</a:t>
             </a:fld>
             <a:endParaRPr lang="ko-KR" altLang="en-US"/>
           </a:p>
@@ -860,7 +865,7 @@
           <a:p>
             <a:fld id="{AA655946-747C-40DE-A69B-ABAA2F058DB3}" type="datetimeFigureOut">
               <a:rPr lang="ko-KR" altLang="en-US" smtClean="0"/>
-              <a:t>2026-02-11</a:t>
+              <a:t>2026-02-16</a:t>
             </a:fld>
             <a:endParaRPr lang="ko-KR" altLang="en-US"/>
           </a:p>
@@ -1135,7 +1140,7 @@
           <a:p>
             <a:fld id="{AA655946-747C-40DE-A69B-ABAA2F058DB3}" type="datetimeFigureOut">
               <a:rPr lang="ko-KR" altLang="en-US" smtClean="0"/>
-              <a:t>2026-02-11</a:t>
+              <a:t>2026-02-16</a:t>
             </a:fld>
             <a:endParaRPr lang="ko-KR" altLang="en-US"/>
           </a:p>
@@ -1400,7 +1405,7 @@
           <a:p>
             <a:fld id="{AA655946-747C-40DE-A69B-ABAA2F058DB3}" type="datetimeFigureOut">
               <a:rPr lang="ko-KR" altLang="en-US" smtClean="0"/>
-              <a:t>2026-02-11</a:t>
+              <a:t>2026-02-16</a:t>
             </a:fld>
             <a:endParaRPr lang="ko-KR" altLang="en-US"/>
           </a:p>
@@ -1812,7 +1817,7 @@
           <a:p>
             <a:fld id="{AA655946-747C-40DE-A69B-ABAA2F058DB3}" type="datetimeFigureOut">
               <a:rPr lang="ko-KR" altLang="en-US" smtClean="0"/>
-              <a:t>2026-02-11</a:t>
+              <a:t>2026-02-16</a:t>
             </a:fld>
             <a:endParaRPr lang="ko-KR" altLang="en-US"/>
           </a:p>
@@ -1953,7 +1958,7 @@
           <a:p>
             <a:fld id="{AA655946-747C-40DE-A69B-ABAA2F058DB3}" type="datetimeFigureOut">
               <a:rPr lang="ko-KR" altLang="en-US" smtClean="0"/>
-              <a:t>2026-02-11</a:t>
+              <a:t>2026-02-16</a:t>
             </a:fld>
             <a:endParaRPr lang="ko-KR" altLang="en-US"/>
           </a:p>
@@ -2066,7 +2071,7 @@
           <a:p>
             <a:fld id="{AA655946-747C-40DE-A69B-ABAA2F058DB3}" type="datetimeFigureOut">
               <a:rPr lang="ko-KR" altLang="en-US" smtClean="0"/>
-              <a:t>2026-02-11</a:t>
+              <a:t>2026-02-16</a:t>
             </a:fld>
             <a:endParaRPr lang="ko-KR" altLang="en-US"/>
           </a:p>
@@ -2377,7 +2382,7 @@
           <a:p>
             <a:fld id="{AA655946-747C-40DE-A69B-ABAA2F058DB3}" type="datetimeFigureOut">
               <a:rPr lang="ko-KR" altLang="en-US" smtClean="0"/>
-              <a:t>2026-02-11</a:t>
+              <a:t>2026-02-16</a:t>
             </a:fld>
             <a:endParaRPr lang="ko-KR" altLang="en-US"/>
           </a:p>
@@ -2665,7 +2670,7 @@
           <a:p>
             <a:fld id="{AA655946-747C-40DE-A69B-ABAA2F058DB3}" type="datetimeFigureOut">
               <a:rPr lang="ko-KR" altLang="en-US" smtClean="0"/>
-              <a:t>2026-02-11</a:t>
+              <a:t>2026-02-16</a:t>
             </a:fld>
             <a:endParaRPr lang="ko-KR" altLang="en-US"/>
           </a:p>
@@ -2906,7 +2911,7 @@
           <a:p>
             <a:fld id="{AA655946-747C-40DE-A69B-ABAA2F058DB3}" type="datetimeFigureOut">
               <a:rPr lang="ko-KR" altLang="en-US" smtClean="0"/>
-              <a:t>2026-02-11</a:t>
+              <a:t>2026-02-16</a:t>
             </a:fld>
             <a:endParaRPr lang="ko-KR" altLang="en-US"/>
           </a:p>
@@ -5889,6 +5894,121 @@
       </p:grpSpPr>
       <p:sp>
         <p:nvSpPr>
+          <p:cNvPr id="42" name="TextBox 41">
+            <a:extLst>
+              <a:ext uri="{FF2B5EF4-FFF2-40B4-BE49-F238E27FC236}">
+                <a16:creationId xmlns:a16="http://schemas.microsoft.com/office/drawing/2014/main" id="{02A2261B-B208-4528-B863-D7785EF70060}"/>
+              </a:ext>
+            </a:extLst>
+          </p:cNvPr>
+          <p:cNvSpPr txBox="1"/>
+          <p:nvPr/>
+        </p:nvSpPr>
+        <p:spPr>
+          <a:xfrm>
+            <a:off x="5359493" y="3891047"/>
+            <a:ext cx="1296942" cy="246221"/>
+          </a:xfrm>
+          <a:prstGeom prst="rect">
+            <a:avLst/>
+          </a:prstGeom>
+          <a:noFill/>
+        </p:spPr>
+        <p:txBody>
+          <a:bodyPr wrap="square" rtlCol="0">
+            <a:spAutoFit/>
+          </a:bodyPr>
+          <a:lstStyle/>
+          <a:p>
+            <a:pPr marL="0" marR="0" lvl="0" indent="0" algn="l" defTabSz="914400" rtl="0" eaLnBrk="0" fontAlgn="base" latinLnBrk="0" hangingPunct="0">
+              <a:lnSpc>
+                <a:spcPct val="100000"/>
+              </a:lnSpc>
+              <a:spcBef>
+                <a:spcPct val="0"/>
+              </a:spcBef>
+              <a:spcAft>
+                <a:spcPct val="0"/>
+              </a:spcAft>
+              <a:buClrTx/>
+              <a:buSzTx/>
+              <a:buFontTx/>
+              <a:buNone/>
+              <a:tabLst/>
+            </a:pPr>
+            <a:r>
+              <a:rPr kumimoji="0" lang="ko-KR" altLang="ko-KR" sz="1000" b="0" i="0" u="none" strike="noStrike" cap="none" normalizeH="0" baseline="0">
+                <a:ln>
+                  <a:noFill/>
+                </a:ln>
+                <a:solidFill>
+                  <a:sysClr val="windowText" lastClr="000000"/>
+                </a:solidFill>
+                <a:effectLst/>
+                <a:latin typeface="Arial Unicode MS"/>
+                <a:ea typeface="JetBrains Mono"/>
+              </a:rPr>
+              <a:t>/internal/mark-paid</a:t>
+            </a:r>
+            <a:endParaRPr kumimoji="0" lang="ko-KR" altLang="ko-KR" sz="2000" b="0" i="0" u="none" strike="noStrike" cap="none" normalizeH="0" baseline="0" dirty="0">
+              <a:ln>
+                <a:noFill/>
+              </a:ln>
+              <a:solidFill>
+                <a:sysClr val="windowText" lastClr="000000"/>
+              </a:solidFill>
+              <a:effectLst/>
+              <a:latin typeface="Arial" panose="020B0604020202020204" pitchFamily="34" charset="0"/>
+            </a:endParaRPr>
+          </a:p>
+        </p:txBody>
+      </p:sp>
+      <p:sp>
+        <p:nvSpPr>
+          <p:cNvPr id="43" name="TextBox 42">
+            <a:extLst>
+              <a:ext uri="{FF2B5EF4-FFF2-40B4-BE49-F238E27FC236}">
+                <a16:creationId xmlns:a16="http://schemas.microsoft.com/office/drawing/2014/main" id="{E313C23A-F091-4BC3-B83D-C80AB0DA8AE8}"/>
+              </a:ext>
+            </a:extLst>
+          </p:cNvPr>
+          <p:cNvSpPr txBox="1"/>
+          <p:nvPr/>
+        </p:nvSpPr>
+        <p:spPr>
+          <a:xfrm>
+            <a:off x="5393613" y="4155398"/>
+            <a:ext cx="1228704" cy="338554"/>
+          </a:xfrm>
+          <a:prstGeom prst="rect">
+            <a:avLst/>
+          </a:prstGeom>
+          <a:solidFill>
+            <a:schemeClr val="accent1">
+              <a:lumMod val="20000"/>
+              <a:lumOff val="80000"/>
+            </a:schemeClr>
+          </a:solidFill>
+          <a:ln>
+            <a:noFill/>
+          </a:ln>
+        </p:spPr>
+        <p:txBody>
+          <a:bodyPr wrap="square" rtlCol="0">
+            <a:spAutoFit/>
+          </a:bodyPr>
+          <a:lstStyle/>
+          <a:p>
+            <a:r>
+              <a:rPr lang="en-US" altLang="ko-KR" sz="800"/>
+              <a:t>PENDING_PAYMENT → PAID</a:t>
+            </a:r>
+            <a:endParaRPr lang="ko-KR" altLang="en-US" sz="800" dirty="0"/>
+          </a:p>
+        </p:txBody>
+      </p:sp>
+      <p:sp>
+        <p:nvSpPr>
           <p:cNvPr id="4" name="직사각형 3">
             <a:extLst>
               <a:ext uri="{FF2B5EF4-FFF2-40B4-BE49-F238E27FC236}">
@@ -5901,8 +6021,8 @@
         </p:nvSpPr>
         <p:spPr>
           <a:xfrm>
-            <a:off x="1170127" y="864551"/>
-            <a:ext cx="2074334" cy="533400"/>
+            <a:off x="526660" y="542818"/>
+            <a:ext cx="1564607" cy="303849"/>
           </a:xfrm>
           <a:prstGeom prst="rect">
             <a:avLst/>
@@ -5965,8 +6085,8 @@
         </p:nvSpPr>
         <p:spPr>
           <a:xfrm>
-            <a:off x="1170127" y="1819383"/>
-            <a:ext cx="2074334" cy="533400"/>
+            <a:off x="2406261" y="542817"/>
+            <a:ext cx="1564607" cy="303849"/>
           </a:xfrm>
           <a:prstGeom prst="rect">
             <a:avLst/>
@@ -6004,7 +6124,7 @@
           <a:p>
             <a:pPr algn="ctr"/>
             <a:r>
-              <a:rPr lang="en-US" altLang="ko-KR" sz="1200">
+              <a:rPr lang="en-US" altLang="ko-KR" sz="1200" dirty="0">
                 <a:solidFill>
                   <a:sysClr val="windowText" lastClr="000000"/>
                 </a:solidFill>
@@ -6029,8 +6149,8 @@
         </p:nvSpPr>
         <p:spPr>
           <a:xfrm>
-            <a:off x="1170127" y="2774215"/>
-            <a:ext cx="2074334" cy="533400"/>
+            <a:off x="4285862" y="542817"/>
+            <a:ext cx="1564607" cy="303849"/>
           </a:xfrm>
           <a:prstGeom prst="rect">
             <a:avLst/>
@@ -6093,8 +6213,8 @@
         </p:nvSpPr>
         <p:spPr>
           <a:xfrm>
-            <a:off x="1170127" y="3729047"/>
-            <a:ext cx="2074334" cy="533400"/>
+            <a:off x="6165463" y="542816"/>
+            <a:ext cx="1564607" cy="303849"/>
           </a:xfrm>
           <a:prstGeom prst="rect">
             <a:avLst/>
@@ -6157,8 +6277,8 @@
         </p:nvSpPr>
         <p:spPr>
           <a:xfrm>
-            <a:off x="1170127" y="4683879"/>
-            <a:ext cx="2074334" cy="533400"/>
+            <a:off x="8045064" y="542815"/>
+            <a:ext cx="1564607" cy="303849"/>
           </a:xfrm>
           <a:prstGeom prst="rect">
             <a:avLst/>
@@ -6209,23 +6329,1078 @@
       </p:sp>
       <p:cxnSp>
         <p:nvCxnSpPr>
-          <p:cNvPr id="10" name="직선 화살표 연결선 9">
-            <a:extLst>
-              <a:ext uri="{FF2B5EF4-FFF2-40B4-BE49-F238E27FC236}">
-                <a16:creationId xmlns:a16="http://schemas.microsoft.com/office/drawing/2014/main" id="{B88FEC20-B3E8-49D9-91B8-142E8A60C9C4}"/>
+          <p:cNvPr id="3" name="직선 연결선 2">
+            <a:extLst>
+              <a:ext uri="{FF2B5EF4-FFF2-40B4-BE49-F238E27FC236}">
+                <a16:creationId xmlns:a16="http://schemas.microsoft.com/office/drawing/2014/main" id="{069189AE-E51D-49F2-904F-A3CD7200B26A}"/>
               </a:ext>
             </a:extLst>
           </p:cNvPr>
           <p:cNvCxnSpPr>
             <a:stCxn id="4" idx="2"/>
-            <a:endCxn id="5" idx="0"/>
           </p:cNvCxnSpPr>
           <p:nvPr/>
         </p:nvCxnSpPr>
         <p:spPr>
-          <a:xfrm>
-            <a:off x="2207294" y="1397951"/>
-            <a:ext cx="0" cy="421432"/>
+          <a:xfrm flipH="1">
+            <a:off x="1308963" y="846667"/>
+            <a:ext cx="1" cy="5317066"/>
+          </a:xfrm>
+          <a:prstGeom prst="line">
+            <a:avLst/>
+          </a:prstGeom>
+          <a:ln>
+            <a:prstDash val="sysDot"/>
+          </a:ln>
+        </p:spPr>
+        <p:style>
+          <a:lnRef idx="1">
+            <a:schemeClr val="dk1"/>
+          </a:lnRef>
+          <a:fillRef idx="0">
+            <a:schemeClr val="dk1"/>
+          </a:fillRef>
+          <a:effectRef idx="0">
+            <a:schemeClr val="dk1"/>
+          </a:effectRef>
+          <a:fontRef idx="minor">
+            <a:schemeClr val="tx1"/>
+          </a:fontRef>
+        </p:style>
+      </p:cxnSp>
+      <p:cxnSp>
+        <p:nvCxnSpPr>
+          <p:cNvPr id="20" name="직선 연결선 19">
+            <a:extLst>
+              <a:ext uri="{FF2B5EF4-FFF2-40B4-BE49-F238E27FC236}">
+                <a16:creationId xmlns:a16="http://schemas.microsoft.com/office/drawing/2014/main" id="{DF4447D3-745B-4DAD-AC02-2F941F022E75}"/>
+              </a:ext>
+            </a:extLst>
+          </p:cNvPr>
+          <p:cNvCxnSpPr/>
+          <p:nvPr/>
+        </p:nvCxnSpPr>
+        <p:spPr>
+          <a:xfrm flipH="1">
+            <a:off x="3188564" y="846667"/>
+            <a:ext cx="1" cy="5317066"/>
+          </a:xfrm>
+          <a:prstGeom prst="line">
+            <a:avLst/>
+          </a:prstGeom>
+          <a:ln>
+            <a:prstDash val="sysDot"/>
+          </a:ln>
+        </p:spPr>
+        <p:style>
+          <a:lnRef idx="1">
+            <a:schemeClr val="dk1"/>
+          </a:lnRef>
+          <a:fillRef idx="0">
+            <a:schemeClr val="dk1"/>
+          </a:fillRef>
+          <a:effectRef idx="0">
+            <a:schemeClr val="dk1"/>
+          </a:effectRef>
+          <a:fontRef idx="minor">
+            <a:schemeClr val="tx1"/>
+          </a:fontRef>
+        </p:style>
+      </p:cxnSp>
+      <p:cxnSp>
+        <p:nvCxnSpPr>
+          <p:cNvPr id="21" name="직선 연결선 20">
+            <a:extLst>
+              <a:ext uri="{FF2B5EF4-FFF2-40B4-BE49-F238E27FC236}">
+                <a16:creationId xmlns:a16="http://schemas.microsoft.com/office/drawing/2014/main" id="{E0170B80-DDA4-4FF1-8F4F-6DD3BCD18026}"/>
+              </a:ext>
+            </a:extLst>
+          </p:cNvPr>
+          <p:cNvCxnSpPr/>
+          <p:nvPr/>
+        </p:nvCxnSpPr>
+        <p:spPr>
+          <a:xfrm flipH="1">
+            <a:off x="5068165" y="846667"/>
+            <a:ext cx="1" cy="5317066"/>
+          </a:xfrm>
+          <a:prstGeom prst="line">
+            <a:avLst/>
+          </a:prstGeom>
+          <a:ln>
+            <a:prstDash val="sysDot"/>
+          </a:ln>
+        </p:spPr>
+        <p:style>
+          <a:lnRef idx="1">
+            <a:schemeClr val="dk1"/>
+          </a:lnRef>
+          <a:fillRef idx="0">
+            <a:schemeClr val="dk1"/>
+          </a:fillRef>
+          <a:effectRef idx="0">
+            <a:schemeClr val="dk1"/>
+          </a:effectRef>
+          <a:fontRef idx="minor">
+            <a:schemeClr val="tx1"/>
+          </a:fontRef>
+        </p:style>
+      </p:cxnSp>
+      <p:cxnSp>
+        <p:nvCxnSpPr>
+          <p:cNvPr id="25" name="직선 연결선 24">
+            <a:extLst>
+              <a:ext uri="{FF2B5EF4-FFF2-40B4-BE49-F238E27FC236}">
+                <a16:creationId xmlns:a16="http://schemas.microsoft.com/office/drawing/2014/main" id="{549726AD-36A2-442F-9958-5C1B90BF50BB}"/>
+              </a:ext>
+            </a:extLst>
+          </p:cNvPr>
+          <p:cNvCxnSpPr/>
+          <p:nvPr/>
+        </p:nvCxnSpPr>
+        <p:spPr>
+          <a:xfrm flipH="1">
+            <a:off x="6947765" y="846664"/>
+            <a:ext cx="1" cy="5317066"/>
+          </a:xfrm>
+          <a:prstGeom prst="line">
+            <a:avLst/>
+          </a:prstGeom>
+          <a:ln>
+            <a:prstDash val="sysDot"/>
+          </a:ln>
+        </p:spPr>
+        <p:style>
+          <a:lnRef idx="1">
+            <a:schemeClr val="dk1"/>
+          </a:lnRef>
+          <a:fillRef idx="0">
+            <a:schemeClr val="dk1"/>
+          </a:fillRef>
+          <a:effectRef idx="0">
+            <a:schemeClr val="dk1"/>
+          </a:effectRef>
+          <a:fontRef idx="minor">
+            <a:schemeClr val="tx1"/>
+          </a:fontRef>
+        </p:style>
+      </p:cxnSp>
+      <p:cxnSp>
+        <p:nvCxnSpPr>
+          <p:cNvPr id="26" name="직선 연결선 25">
+            <a:extLst>
+              <a:ext uri="{FF2B5EF4-FFF2-40B4-BE49-F238E27FC236}">
+                <a16:creationId xmlns:a16="http://schemas.microsoft.com/office/drawing/2014/main" id="{01912AA9-5E64-4E94-8AAD-F7291A667830}"/>
+              </a:ext>
+            </a:extLst>
+          </p:cNvPr>
+          <p:cNvCxnSpPr/>
+          <p:nvPr/>
+        </p:nvCxnSpPr>
+        <p:spPr>
+          <a:xfrm flipH="1">
+            <a:off x="8827365" y="846661"/>
+            <a:ext cx="1" cy="5317066"/>
+          </a:xfrm>
+          <a:prstGeom prst="line">
+            <a:avLst/>
+          </a:prstGeom>
+          <a:ln>
+            <a:prstDash val="sysDot"/>
+          </a:ln>
+        </p:spPr>
+        <p:style>
+          <a:lnRef idx="1">
+            <a:schemeClr val="dk1"/>
+          </a:lnRef>
+          <a:fillRef idx="0">
+            <a:schemeClr val="dk1"/>
+          </a:fillRef>
+          <a:effectRef idx="0">
+            <a:schemeClr val="dk1"/>
+          </a:effectRef>
+          <a:fontRef idx="minor">
+            <a:schemeClr val="tx1"/>
+          </a:fontRef>
+        </p:style>
+      </p:cxnSp>
+      <p:sp>
+        <p:nvSpPr>
+          <p:cNvPr id="16" name="TextBox 15">
+            <a:extLst>
+              <a:ext uri="{FF2B5EF4-FFF2-40B4-BE49-F238E27FC236}">
+                <a16:creationId xmlns:a16="http://schemas.microsoft.com/office/drawing/2014/main" id="{9A6FEDA6-972A-4BD1-9974-7BC7188DB85C}"/>
+              </a:ext>
+            </a:extLst>
+          </p:cNvPr>
+          <p:cNvSpPr txBox="1"/>
+          <p:nvPr/>
+        </p:nvSpPr>
+        <p:spPr>
+          <a:xfrm>
+            <a:off x="2334028" y="3674694"/>
+            <a:ext cx="1709070" cy="246221"/>
+          </a:xfrm>
+          <a:prstGeom prst="rect">
+            <a:avLst/>
+          </a:prstGeom>
+          <a:solidFill>
+            <a:schemeClr val="bg1"/>
+          </a:solidFill>
+        </p:spPr>
+        <p:txBody>
+          <a:bodyPr wrap="square" rtlCol="0">
+            <a:spAutoFit/>
+          </a:bodyPr>
+          <a:lstStyle/>
+          <a:p>
+            <a:pPr algn="ctr"/>
+            <a:r>
+              <a:rPr lang="en-US" altLang="ko-KR" sz="1000" dirty="0"/>
+              <a:t>/approve</a:t>
+            </a:r>
+            <a:endParaRPr lang="ko-KR" altLang="en-US" sz="1000" dirty="0"/>
+          </a:p>
+        </p:txBody>
+      </p:sp>
+      <p:cxnSp>
+        <p:nvCxnSpPr>
+          <p:cNvPr id="29" name="직선 화살표 연결선 28">
+            <a:extLst>
+              <a:ext uri="{FF2B5EF4-FFF2-40B4-BE49-F238E27FC236}">
+                <a16:creationId xmlns:a16="http://schemas.microsoft.com/office/drawing/2014/main" id="{3016FFCF-8D13-4DCF-8617-02C8BC1E7D7E}"/>
+              </a:ext>
+            </a:extLst>
+          </p:cNvPr>
+          <p:cNvCxnSpPr>
+            <a:cxnSpLocks/>
+          </p:cNvCxnSpPr>
+          <p:nvPr/>
+        </p:nvCxnSpPr>
+        <p:spPr>
+          <a:xfrm>
+            <a:off x="1308962" y="2084739"/>
+            <a:ext cx="5638802" cy="0"/>
+          </a:xfrm>
+          <a:prstGeom prst="straightConnector1">
+            <a:avLst/>
+          </a:prstGeom>
+          <a:ln>
+            <a:tailEnd type="triangle"/>
+          </a:ln>
+        </p:spPr>
+        <p:style>
+          <a:lnRef idx="1">
+            <a:schemeClr val="dk1"/>
+          </a:lnRef>
+          <a:fillRef idx="0">
+            <a:schemeClr val="dk1"/>
+          </a:fillRef>
+          <a:effectRef idx="0">
+            <a:schemeClr val="dk1"/>
+          </a:effectRef>
+          <a:fontRef idx="minor">
+            <a:schemeClr val="tx1"/>
+          </a:fontRef>
+        </p:style>
+      </p:cxnSp>
+      <p:sp>
+        <p:nvSpPr>
+          <p:cNvPr id="30" name="TextBox 29">
+            <a:extLst>
+              <a:ext uri="{FF2B5EF4-FFF2-40B4-BE49-F238E27FC236}">
+                <a16:creationId xmlns:a16="http://schemas.microsoft.com/office/drawing/2014/main" id="{754227ED-6CD1-474F-BD34-FAC39E96BD1B}"/>
+              </a:ext>
+            </a:extLst>
+          </p:cNvPr>
+          <p:cNvSpPr txBox="1"/>
+          <p:nvPr/>
+        </p:nvSpPr>
+        <p:spPr>
+          <a:xfrm>
+            <a:off x="5761327" y="1497323"/>
+            <a:ext cx="466704" cy="246221"/>
+          </a:xfrm>
+          <a:prstGeom prst="rect">
+            <a:avLst/>
+          </a:prstGeom>
+          <a:noFill/>
+        </p:spPr>
+        <p:txBody>
+          <a:bodyPr wrap="square" rtlCol="0">
+            <a:spAutoFit/>
+          </a:bodyPr>
+          <a:lstStyle/>
+          <a:p>
+            <a:r>
+              <a:rPr lang="en-US" altLang="ko-KR" sz="1000" dirty="0"/>
+              <a:t>/pay</a:t>
+            </a:r>
+            <a:endParaRPr lang="ko-KR" altLang="en-US" sz="1000" dirty="0"/>
+          </a:p>
+        </p:txBody>
+      </p:sp>
+      <p:cxnSp>
+        <p:nvCxnSpPr>
+          <p:cNvPr id="32" name="직선 화살표 연결선 31">
+            <a:extLst>
+              <a:ext uri="{FF2B5EF4-FFF2-40B4-BE49-F238E27FC236}">
+                <a16:creationId xmlns:a16="http://schemas.microsoft.com/office/drawing/2014/main" id="{9034EECA-76E5-4A61-ADE1-3F97C6805265}"/>
+              </a:ext>
+            </a:extLst>
+          </p:cNvPr>
+          <p:cNvCxnSpPr/>
+          <p:nvPr/>
+        </p:nvCxnSpPr>
+        <p:spPr>
+          <a:xfrm>
+            <a:off x="5068165" y="4498682"/>
+            <a:ext cx="1879600" cy="0"/>
+          </a:xfrm>
+          <a:prstGeom prst="straightConnector1">
+            <a:avLst/>
+          </a:prstGeom>
+          <a:ln>
+            <a:prstDash val="sysDot"/>
+            <a:tailEnd type="triangle"/>
+          </a:ln>
+        </p:spPr>
+        <p:style>
+          <a:lnRef idx="1">
+            <a:schemeClr val="dk1"/>
+          </a:lnRef>
+          <a:fillRef idx="0">
+            <a:schemeClr val="dk1"/>
+          </a:fillRef>
+          <a:effectRef idx="0">
+            <a:schemeClr val="dk1"/>
+          </a:effectRef>
+          <a:fontRef idx="minor">
+            <a:schemeClr val="tx1"/>
+          </a:fontRef>
+        </p:style>
+      </p:cxnSp>
+      <p:cxnSp>
+        <p:nvCxnSpPr>
+          <p:cNvPr id="36" name="직선 화살표 연결선 35">
+            <a:extLst>
+              <a:ext uri="{FF2B5EF4-FFF2-40B4-BE49-F238E27FC236}">
+                <a16:creationId xmlns:a16="http://schemas.microsoft.com/office/drawing/2014/main" id="{8AE6F512-D232-4CB8-B1F9-5CD154F685E1}"/>
+              </a:ext>
+            </a:extLst>
+          </p:cNvPr>
+          <p:cNvCxnSpPr/>
+          <p:nvPr/>
+        </p:nvCxnSpPr>
+        <p:spPr>
+          <a:xfrm>
+            <a:off x="6947765" y="5322886"/>
+            <a:ext cx="1879600" cy="0"/>
+          </a:xfrm>
+          <a:prstGeom prst="straightConnector1">
+            <a:avLst/>
+          </a:prstGeom>
+          <a:ln>
+            <a:prstDash val="sysDot"/>
+            <a:tailEnd type="triangle"/>
+          </a:ln>
+        </p:spPr>
+        <p:style>
+          <a:lnRef idx="1">
+            <a:schemeClr val="dk1"/>
+          </a:lnRef>
+          <a:fillRef idx="0">
+            <a:schemeClr val="dk1"/>
+          </a:fillRef>
+          <a:effectRef idx="0">
+            <a:schemeClr val="dk1"/>
+          </a:effectRef>
+          <a:fontRef idx="minor">
+            <a:schemeClr val="tx1"/>
+          </a:fontRef>
+        </p:style>
+      </p:cxnSp>
+      <p:sp>
+        <p:nvSpPr>
+          <p:cNvPr id="37" name="TextBox 36">
+            <a:extLst>
+              <a:ext uri="{FF2B5EF4-FFF2-40B4-BE49-F238E27FC236}">
+                <a16:creationId xmlns:a16="http://schemas.microsoft.com/office/drawing/2014/main" id="{E0CC064D-DA4D-4FBF-A61F-D5B570B6D270}"/>
+              </a:ext>
+            </a:extLst>
+          </p:cNvPr>
+          <p:cNvSpPr txBox="1"/>
+          <p:nvPr/>
+        </p:nvSpPr>
+        <p:spPr>
+          <a:xfrm>
+            <a:off x="7105265" y="4738111"/>
+            <a:ext cx="1564599" cy="246221"/>
+          </a:xfrm>
+          <a:prstGeom prst="rect">
+            <a:avLst/>
+          </a:prstGeom>
+        </p:spPr>
+        <p:txBody>
+          <a:bodyPr wrap="square" rtlCol="0">
+            <a:spAutoFit/>
+          </a:bodyPr>
+          <a:lstStyle/>
+          <a:p>
+            <a:pPr marL="0" marR="0" lvl="0" indent="0" algn="ctr" defTabSz="914400" rtl="0" eaLnBrk="0" fontAlgn="base" latinLnBrk="0" hangingPunct="0">
+              <a:lnSpc>
+                <a:spcPct val="100000"/>
+              </a:lnSpc>
+              <a:spcBef>
+                <a:spcPct val="0"/>
+              </a:spcBef>
+              <a:spcAft>
+                <a:spcPct val="0"/>
+              </a:spcAft>
+              <a:buClrTx/>
+              <a:buSzTx/>
+              <a:buFontTx/>
+              <a:buNone/>
+              <a:tabLst/>
+            </a:pPr>
+            <a:r>
+              <a:rPr kumimoji="0" lang="ko-KR" altLang="ko-KR" sz="1000" b="0" i="0" u="none" strike="noStrike" cap="none" normalizeH="0" baseline="0" dirty="0">
+                <a:ln>
+                  <a:noFill/>
+                </a:ln>
+                <a:solidFill>
+                  <a:sysClr val="windowText" lastClr="000000"/>
+                </a:solidFill>
+                <a:effectLst/>
+                <a:latin typeface="Arial Unicode MS"/>
+                <a:ea typeface="JetBrains Mono"/>
+              </a:rPr>
+              <a:t>/</a:t>
+            </a:r>
+            <a:r>
+              <a:rPr kumimoji="0" lang="ko-KR" altLang="ko-KR" sz="1000" b="0" i="0" u="none" strike="noStrike" cap="none" normalizeH="0" baseline="0" dirty="0" err="1">
+                <a:ln>
+                  <a:noFill/>
+                </a:ln>
+                <a:solidFill>
+                  <a:sysClr val="windowText" lastClr="000000"/>
+                </a:solidFill>
+                <a:effectLst/>
+                <a:latin typeface="Arial Unicode MS"/>
+                <a:ea typeface="JetBrains Mono"/>
+              </a:rPr>
+              <a:t>internal</a:t>
+            </a:r>
+            <a:r>
+              <a:rPr kumimoji="0" lang="ko-KR" altLang="ko-KR" sz="1000" b="0" i="0" u="none" strike="noStrike" cap="none" normalizeH="0" baseline="0" dirty="0">
+                <a:ln>
+                  <a:noFill/>
+                </a:ln>
+                <a:solidFill>
+                  <a:sysClr val="windowText" lastClr="000000"/>
+                </a:solidFill>
+                <a:effectLst/>
+                <a:latin typeface="Arial Unicode MS"/>
+                <a:ea typeface="JetBrains Mono"/>
+              </a:rPr>
+              <a:t>/</a:t>
+            </a:r>
+            <a:r>
+              <a:rPr lang="en-US" altLang="ko-KR" sz="1000" dirty="0">
+                <a:solidFill>
+                  <a:sysClr val="windowText" lastClr="000000"/>
+                </a:solidFill>
+                <a:latin typeface="Arial Unicode MS"/>
+                <a:ea typeface="JetBrains Mono"/>
+              </a:rPr>
+              <a:t>decrease-stock</a:t>
+            </a:r>
+            <a:endParaRPr kumimoji="0" lang="ko-KR" altLang="ko-KR" sz="2000" b="0" i="0" u="none" strike="noStrike" cap="none" normalizeH="0" baseline="0" dirty="0">
+              <a:ln>
+                <a:noFill/>
+              </a:ln>
+              <a:solidFill>
+                <a:sysClr val="windowText" lastClr="000000"/>
+              </a:solidFill>
+              <a:effectLst/>
+              <a:latin typeface="Arial" panose="020B0604020202020204" pitchFamily="34" charset="0"/>
+            </a:endParaRPr>
+          </a:p>
+        </p:txBody>
+      </p:sp>
+      <p:sp>
+        <p:nvSpPr>
+          <p:cNvPr id="39" name="직사각형 38">
+            <a:extLst>
+              <a:ext uri="{FF2B5EF4-FFF2-40B4-BE49-F238E27FC236}">
+                <a16:creationId xmlns:a16="http://schemas.microsoft.com/office/drawing/2014/main" id="{C23EC061-3ACA-48F0-BF72-E327D13429FA}"/>
+              </a:ext>
+            </a:extLst>
+          </p:cNvPr>
+          <p:cNvSpPr/>
+          <p:nvPr/>
+        </p:nvSpPr>
+        <p:spPr>
+          <a:xfrm>
+            <a:off x="2406259" y="915220"/>
+            <a:ext cx="1564607" cy="589116"/>
+          </a:xfrm>
+          <a:prstGeom prst="rect">
+            <a:avLst/>
+          </a:prstGeom>
+          <a:solidFill>
+            <a:schemeClr val="bg2">
+              <a:lumMod val="90000"/>
+            </a:schemeClr>
+          </a:solidFill>
+          <a:ln cap="flat">
+            <a:solidFill>
+              <a:schemeClr val="tx1"/>
+            </a:solidFill>
+            <a:miter lim="800000"/>
+          </a:ln>
+          <a:effectLst/>
+        </p:spPr>
+        <p:style>
+          <a:lnRef idx="2">
+            <a:schemeClr val="accent1">
+              <a:shade val="50000"/>
+            </a:schemeClr>
+          </a:lnRef>
+          <a:fillRef idx="1">
+            <a:schemeClr val="accent1"/>
+          </a:fillRef>
+          <a:effectRef idx="0">
+            <a:schemeClr val="accent1"/>
+          </a:effectRef>
+          <a:fontRef idx="minor">
+            <a:schemeClr val="lt1"/>
+          </a:fontRef>
+        </p:style>
+        <p:txBody>
+          <a:bodyPr rtlCol="0" anchor="ctr"/>
+          <a:lstStyle/>
+          <a:p>
+            <a:r>
+              <a:rPr lang="en-US" altLang="ko-KR" sz="1000">
+                <a:solidFill>
+                  <a:sysClr val="windowText" lastClr="000000"/>
+                </a:solidFill>
+              </a:rPr>
+              <a:t>JWT </a:t>
+            </a:r>
+            <a:r>
+              <a:rPr lang="ko-KR" altLang="en-US" sz="1000">
+                <a:solidFill>
+                  <a:sysClr val="windowText" lastClr="000000"/>
+                </a:solidFill>
+              </a:rPr>
+              <a:t>검증</a:t>
+            </a:r>
+          </a:p>
+          <a:p>
+            <a:r>
+              <a:rPr lang="ko-KR" altLang="en-US" sz="1000">
+                <a:solidFill>
+                  <a:sysClr val="windowText" lastClr="000000"/>
+                </a:solidFill>
+              </a:rPr>
+              <a:t>→ </a:t>
+            </a:r>
+            <a:r>
+              <a:rPr lang="en-US" altLang="ko-KR" sz="1000">
+                <a:solidFill>
+                  <a:sysClr val="windowText" lastClr="000000"/>
+                </a:solidFill>
+              </a:rPr>
+              <a:t>X-User-Id</a:t>
+            </a:r>
+          </a:p>
+          <a:p>
+            <a:r>
+              <a:rPr lang="en-US" altLang="ko-KR" sz="1000">
+                <a:solidFill>
+                  <a:sysClr val="windowText" lastClr="000000"/>
+                </a:solidFill>
+              </a:rPr>
+              <a:t>→ X-Roles </a:t>
+            </a:r>
+            <a:r>
+              <a:rPr lang="ko-KR" altLang="en-US" sz="1000">
+                <a:solidFill>
+                  <a:sysClr val="windowText" lastClr="000000"/>
+                </a:solidFill>
+              </a:rPr>
+              <a:t>전달</a:t>
+            </a:r>
+            <a:endParaRPr lang="ko-KR" altLang="en-US" sz="1000" dirty="0">
+              <a:solidFill>
+                <a:sysClr val="windowText" lastClr="000000"/>
+              </a:solidFill>
+            </a:endParaRPr>
+          </a:p>
+        </p:txBody>
+      </p:sp>
+      <p:sp>
+        <p:nvSpPr>
+          <p:cNvPr id="41" name="TextBox 40">
+            <a:extLst>
+              <a:ext uri="{FF2B5EF4-FFF2-40B4-BE49-F238E27FC236}">
+                <a16:creationId xmlns:a16="http://schemas.microsoft.com/office/drawing/2014/main" id="{A62AA1F2-3214-4644-BB4F-E8C13352898C}"/>
+              </a:ext>
+            </a:extLst>
+          </p:cNvPr>
+          <p:cNvSpPr txBox="1"/>
+          <p:nvPr/>
+        </p:nvSpPr>
+        <p:spPr>
+          <a:xfrm>
+            <a:off x="5393612" y="1740193"/>
+            <a:ext cx="1228704" cy="338554"/>
+          </a:xfrm>
+          <a:prstGeom prst="rect">
+            <a:avLst/>
+          </a:prstGeom>
+          <a:solidFill>
+            <a:schemeClr val="accent1">
+              <a:lumMod val="20000"/>
+              <a:lumOff val="80000"/>
+            </a:schemeClr>
+          </a:solidFill>
+          <a:ln>
+            <a:noFill/>
+          </a:ln>
+        </p:spPr>
+        <p:txBody>
+          <a:bodyPr wrap="square" rtlCol="0">
+            <a:spAutoFit/>
+          </a:bodyPr>
+          <a:lstStyle/>
+          <a:p>
+            <a:r>
+              <a:rPr lang="en-US" altLang="ko-KR" sz="800"/>
+              <a:t>CREATED → PENDING_PAYMENT</a:t>
+            </a:r>
+            <a:endParaRPr lang="ko-KR" altLang="en-US" sz="800" dirty="0"/>
+          </a:p>
+        </p:txBody>
+      </p:sp>
+      <p:sp>
+        <p:nvSpPr>
+          <p:cNvPr id="44" name="TextBox 43">
+            <a:extLst>
+              <a:ext uri="{FF2B5EF4-FFF2-40B4-BE49-F238E27FC236}">
+                <a16:creationId xmlns:a16="http://schemas.microsoft.com/office/drawing/2014/main" id="{7F861781-4379-469B-981C-7B1CFA96A079}"/>
+              </a:ext>
+            </a:extLst>
+          </p:cNvPr>
+          <p:cNvSpPr txBox="1"/>
+          <p:nvPr/>
+        </p:nvSpPr>
+        <p:spPr>
+          <a:xfrm>
+            <a:off x="5359493" y="4493952"/>
+            <a:ext cx="1296942" cy="246221"/>
+          </a:xfrm>
+          <a:prstGeom prst="rect">
+            <a:avLst/>
+          </a:prstGeom>
+          <a:noFill/>
+        </p:spPr>
+        <p:txBody>
+          <a:bodyPr wrap="square" rtlCol="0">
+            <a:spAutoFit/>
+          </a:bodyPr>
+          <a:lstStyle/>
+          <a:p>
+            <a:pPr marL="0" marR="0" lvl="0" indent="0" algn="ctr" defTabSz="914400" rtl="0" eaLnBrk="0" fontAlgn="base" latinLnBrk="0" hangingPunct="0">
+              <a:lnSpc>
+                <a:spcPct val="100000"/>
+              </a:lnSpc>
+              <a:spcBef>
+                <a:spcPct val="0"/>
+              </a:spcBef>
+              <a:spcAft>
+                <a:spcPct val="0"/>
+              </a:spcAft>
+              <a:buClrTx/>
+              <a:buSzTx/>
+              <a:buFontTx/>
+              <a:buNone/>
+              <a:tabLst/>
+            </a:pPr>
+            <a:r>
+              <a:rPr kumimoji="0" lang="en-US" altLang="ko-KR" sz="1000" b="0" i="0" u="none" strike="noStrike" cap="none" normalizeH="0" baseline="0">
+                <a:ln>
+                  <a:noFill/>
+                </a:ln>
+                <a:solidFill>
+                  <a:srgbClr val="FF0000"/>
+                </a:solidFill>
+                <a:effectLst/>
+                <a:latin typeface="Arial Unicode MS"/>
+                <a:ea typeface="JetBrains Mono"/>
+              </a:rPr>
+              <a:t>X-Internal-Secret</a:t>
+            </a:r>
+            <a:endParaRPr kumimoji="0" lang="ko-KR" altLang="ko-KR" sz="2000" b="0" i="0" u="none" strike="noStrike" cap="none" normalizeH="0" baseline="0" dirty="0">
+              <a:ln>
+                <a:noFill/>
+              </a:ln>
+              <a:solidFill>
+                <a:srgbClr val="FF0000"/>
+              </a:solidFill>
+              <a:effectLst/>
+              <a:latin typeface="Arial" panose="020B0604020202020204" pitchFamily="34" charset="0"/>
+            </a:endParaRPr>
+          </a:p>
+        </p:txBody>
+      </p:sp>
+      <p:sp>
+        <p:nvSpPr>
+          <p:cNvPr id="45" name="TextBox 44">
+            <a:extLst>
+              <a:ext uri="{FF2B5EF4-FFF2-40B4-BE49-F238E27FC236}">
+                <a16:creationId xmlns:a16="http://schemas.microsoft.com/office/drawing/2014/main" id="{36AF58BD-4DF7-4266-9989-214C463FE587}"/>
+              </a:ext>
+            </a:extLst>
+          </p:cNvPr>
+          <p:cNvSpPr txBox="1"/>
+          <p:nvPr/>
+        </p:nvSpPr>
+        <p:spPr>
+          <a:xfrm>
+            <a:off x="7239094" y="5322885"/>
+            <a:ext cx="1296942" cy="246221"/>
+          </a:xfrm>
+          <a:prstGeom prst="rect">
+            <a:avLst/>
+          </a:prstGeom>
+          <a:noFill/>
+        </p:spPr>
+        <p:txBody>
+          <a:bodyPr wrap="square" rtlCol="0">
+            <a:spAutoFit/>
+          </a:bodyPr>
+          <a:lstStyle/>
+          <a:p>
+            <a:pPr marL="0" marR="0" lvl="0" indent="0" algn="ctr" defTabSz="914400" rtl="0" eaLnBrk="0" fontAlgn="base" latinLnBrk="0" hangingPunct="0">
+              <a:lnSpc>
+                <a:spcPct val="100000"/>
+              </a:lnSpc>
+              <a:spcBef>
+                <a:spcPct val="0"/>
+              </a:spcBef>
+              <a:spcAft>
+                <a:spcPct val="0"/>
+              </a:spcAft>
+              <a:buClrTx/>
+              <a:buSzTx/>
+              <a:buFontTx/>
+              <a:buNone/>
+              <a:tabLst/>
+            </a:pPr>
+            <a:r>
+              <a:rPr kumimoji="0" lang="en-US" altLang="ko-KR" sz="1000" b="0" i="0" u="none" strike="noStrike" cap="none" normalizeH="0" baseline="0">
+                <a:ln>
+                  <a:noFill/>
+                </a:ln>
+                <a:solidFill>
+                  <a:srgbClr val="FF0000"/>
+                </a:solidFill>
+                <a:effectLst/>
+                <a:latin typeface="Arial Unicode MS"/>
+                <a:ea typeface="JetBrains Mono"/>
+              </a:rPr>
+              <a:t>X-Internal-Secret</a:t>
+            </a:r>
+            <a:endParaRPr kumimoji="0" lang="ko-KR" altLang="ko-KR" sz="2000" b="0" i="0" u="none" strike="noStrike" cap="none" normalizeH="0" baseline="0" dirty="0">
+              <a:ln>
+                <a:noFill/>
+              </a:ln>
+              <a:solidFill>
+                <a:srgbClr val="FF0000"/>
+              </a:solidFill>
+              <a:effectLst/>
+              <a:latin typeface="Arial" panose="020B0604020202020204" pitchFamily="34" charset="0"/>
+            </a:endParaRPr>
+          </a:p>
+        </p:txBody>
+      </p:sp>
+      <p:sp>
+        <p:nvSpPr>
+          <p:cNvPr id="46" name="직사각형 45">
+            <a:extLst>
+              <a:ext uri="{FF2B5EF4-FFF2-40B4-BE49-F238E27FC236}">
+                <a16:creationId xmlns:a16="http://schemas.microsoft.com/office/drawing/2014/main" id="{33F356B8-BBE5-4D68-B591-52DF967613D9}"/>
+              </a:ext>
+            </a:extLst>
+          </p:cNvPr>
+          <p:cNvSpPr/>
+          <p:nvPr/>
+        </p:nvSpPr>
+        <p:spPr>
+          <a:xfrm>
+            <a:off x="4285855" y="3026985"/>
+            <a:ext cx="1564607" cy="589116"/>
+          </a:xfrm>
+          <a:prstGeom prst="rect">
+            <a:avLst/>
+          </a:prstGeom>
+          <a:solidFill>
+            <a:schemeClr val="bg2">
+              <a:lumMod val="90000"/>
+            </a:schemeClr>
+          </a:solidFill>
+          <a:ln cap="flat">
+            <a:solidFill>
+              <a:schemeClr val="tx1"/>
+            </a:solidFill>
+            <a:miter lim="800000"/>
+          </a:ln>
+          <a:effectLst/>
+        </p:spPr>
+        <p:style>
+          <a:lnRef idx="2">
+            <a:schemeClr val="accent1">
+              <a:shade val="50000"/>
+            </a:schemeClr>
+          </a:lnRef>
+          <a:fillRef idx="1">
+            <a:schemeClr val="accent1"/>
+          </a:fillRef>
+          <a:effectRef idx="0">
+            <a:schemeClr val="accent1"/>
+          </a:effectRef>
+          <a:fontRef idx="minor">
+            <a:schemeClr val="lt1"/>
+          </a:fontRef>
+        </p:style>
+        <p:txBody>
+          <a:bodyPr rtlCol="0" anchor="ctr"/>
+          <a:lstStyle/>
+          <a:p>
+            <a:r>
+              <a:rPr lang="en-US" altLang="ko-KR" sz="1000">
+                <a:solidFill>
+                  <a:sysClr val="windowText" lastClr="000000"/>
+                </a:solidFill>
+              </a:rPr>
+              <a:t>idempotencyKey </a:t>
+            </a:r>
+            <a:r>
+              <a:rPr lang="ko-KR" altLang="en-US" sz="1000">
+                <a:solidFill>
+                  <a:sysClr val="windowText" lastClr="000000"/>
+                </a:solidFill>
+              </a:rPr>
+              <a:t>검사</a:t>
+            </a:r>
+          </a:p>
+          <a:p>
+            <a:r>
+              <a:rPr lang="en-US" altLang="ko-KR" sz="1000">
+                <a:solidFill>
+                  <a:sysClr val="windowText" lastClr="000000"/>
+                </a:solidFill>
+              </a:rPr>
+              <a:t>UNIQUE </a:t>
+            </a:r>
+            <a:r>
+              <a:rPr lang="ko-KR" altLang="en-US" sz="1000">
+                <a:solidFill>
+                  <a:sysClr val="windowText" lastClr="000000"/>
+                </a:solidFill>
+              </a:rPr>
+              <a:t>제약</a:t>
+            </a:r>
+          </a:p>
+          <a:p>
+            <a:r>
+              <a:rPr lang="ko-KR" altLang="en-US" sz="1000">
+                <a:solidFill>
+                  <a:sysClr val="windowText" lastClr="000000"/>
+                </a:solidFill>
+              </a:rPr>
+              <a:t>중복 요청 시 </a:t>
+            </a:r>
+            <a:r>
+              <a:rPr lang="en-US" altLang="ko-KR" sz="1000">
+                <a:solidFill>
+                  <a:sysClr val="windowText" lastClr="000000"/>
+                </a:solidFill>
+              </a:rPr>
+              <a:t>no-op</a:t>
+            </a:r>
+          </a:p>
+        </p:txBody>
+      </p:sp>
+      <p:sp>
+        <p:nvSpPr>
+          <p:cNvPr id="47" name="TextBox 46">
+            <a:extLst>
+              <a:ext uri="{FF2B5EF4-FFF2-40B4-BE49-F238E27FC236}">
+                <a16:creationId xmlns:a16="http://schemas.microsoft.com/office/drawing/2014/main" id="{0122BB9C-FD1C-4982-82AD-8D0C564FEAEE}"/>
+              </a:ext>
+            </a:extLst>
+          </p:cNvPr>
+          <p:cNvSpPr txBox="1"/>
+          <p:nvPr/>
+        </p:nvSpPr>
+        <p:spPr>
+          <a:xfrm>
+            <a:off x="2422329" y="3979509"/>
+            <a:ext cx="1519435" cy="553998"/>
+          </a:xfrm>
+          <a:prstGeom prst="rect">
+            <a:avLst/>
+          </a:prstGeom>
+          <a:solidFill>
+            <a:schemeClr val="bg1"/>
+          </a:solidFill>
+        </p:spPr>
+        <p:txBody>
+          <a:bodyPr wrap="square" rtlCol="0">
+            <a:spAutoFit/>
+          </a:bodyPr>
+          <a:lstStyle/>
+          <a:p>
+            <a:pPr marL="0" marR="0" lvl="0" indent="0" algn="ctr" defTabSz="914400" rtl="0" eaLnBrk="0" fontAlgn="base" latinLnBrk="0" hangingPunct="0">
+              <a:lnSpc>
+                <a:spcPct val="100000"/>
+              </a:lnSpc>
+              <a:spcBef>
+                <a:spcPct val="0"/>
+              </a:spcBef>
+              <a:spcAft>
+                <a:spcPct val="0"/>
+              </a:spcAft>
+              <a:buClrTx/>
+              <a:buSzTx/>
+              <a:buFontTx/>
+              <a:buNone/>
+              <a:tabLst/>
+            </a:pPr>
+            <a:r>
+              <a:rPr kumimoji="0" lang="en-US" altLang="ko-KR" sz="1000" b="0" i="0" u="none" strike="noStrike" cap="none" normalizeH="0" baseline="0">
+                <a:ln>
+                  <a:noFill/>
+                </a:ln>
+                <a:effectLst/>
+                <a:latin typeface="Arial Unicode MS"/>
+                <a:ea typeface="JetBrains Mono"/>
+              </a:rPr>
+              <a:t>same key → no change</a:t>
+            </a:r>
+          </a:p>
+          <a:p>
+            <a:pPr marL="0" marR="0" lvl="0" indent="0" algn="ctr" defTabSz="914400" rtl="0" eaLnBrk="0" fontAlgn="base" latinLnBrk="0" hangingPunct="0">
+              <a:lnSpc>
+                <a:spcPct val="100000"/>
+              </a:lnSpc>
+              <a:spcBef>
+                <a:spcPct val="0"/>
+              </a:spcBef>
+              <a:spcAft>
+                <a:spcPct val="0"/>
+              </a:spcAft>
+              <a:buClrTx/>
+              <a:buSzTx/>
+              <a:buFontTx/>
+              <a:buNone/>
+              <a:tabLst/>
+            </a:pPr>
+            <a:r>
+              <a:rPr kumimoji="0" lang="en-US" altLang="ko-KR" sz="1000" b="0" i="0" u="none" strike="noStrike" cap="none" normalizeH="0" baseline="0">
+                <a:ln>
+                  <a:noFill/>
+                </a:ln>
+                <a:effectLst/>
+                <a:latin typeface="Arial Unicode MS"/>
+                <a:ea typeface="JetBrains Mono"/>
+              </a:rPr>
+              <a:t>(no double stock deduction)</a:t>
+            </a:r>
+            <a:endParaRPr kumimoji="0" lang="ko-KR" altLang="ko-KR" sz="2000" b="0" i="0" u="none" strike="noStrike" cap="none" normalizeH="0" baseline="0" dirty="0">
+              <a:ln>
+                <a:noFill/>
+              </a:ln>
+              <a:effectLst/>
+              <a:latin typeface="Arial" panose="020B0604020202020204" pitchFamily="34" charset="0"/>
+            </a:endParaRPr>
+          </a:p>
+        </p:txBody>
+      </p:sp>
+      <p:sp>
+        <p:nvSpPr>
+          <p:cNvPr id="48" name="TextBox 47">
+            <a:extLst>
+              <a:ext uri="{FF2B5EF4-FFF2-40B4-BE49-F238E27FC236}">
+                <a16:creationId xmlns:a16="http://schemas.microsoft.com/office/drawing/2014/main" id="{C94DAE10-5F73-4485-86CD-12CC3F5B0BF8}"/>
+              </a:ext>
+            </a:extLst>
+          </p:cNvPr>
+          <p:cNvSpPr txBox="1"/>
+          <p:nvPr/>
+        </p:nvSpPr>
+        <p:spPr>
+          <a:xfrm>
+            <a:off x="7105282" y="4984330"/>
+            <a:ext cx="1564583" cy="338554"/>
+          </a:xfrm>
+          <a:prstGeom prst="rect">
+            <a:avLst/>
+          </a:prstGeom>
+          <a:solidFill>
+            <a:schemeClr val="accent1">
+              <a:lumMod val="20000"/>
+              <a:lumOff val="80000"/>
+            </a:schemeClr>
+          </a:solidFill>
+          <a:ln>
+            <a:noFill/>
+          </a:ln>
+        </p:spPr>
+        <p:txBody>
+          <a:bodyPr wrap="square" rtlCol="0">
+            <a:spAutoFit/>
+          </a:bodyPr>
+          <a:lstStyle/>
+          <a:p>
+            <a:r>
+              <a:rPr lang="en-US" altLang="ko-KR" sz="800"/>
+              <a:t>stock &gt;= qty </a:t>
+            </a:r>
+            <a:r>
+              <a:rPr lang="ko-KR" altLang="en-US" sz="800"/>
+              <a:t>검증</a:t>
+            </a:r>
+          </a:p>
+          <a:p>
+            <a:r>
+              <a:rPr lang="en-US" altLang="ko-KR" sz="800"/>
+              <a:t>UPDATE stock = stock - qty</a:t>
+            </a:r>
+            <a:endParaRPr lang="en-US" altLang="ko-KR" sz="800" dirty="0"/>
+          </a:p>
+        </p:txBody>
+      </p:sp>
+      <p:cxnSp>
+        <p:nvCxnSpPr>
+          <p:cNvPr id="52" name="직선 화살표 연결선 51">
+            <a:extLst>
+              <a:ext uri="{FF2B5EF4-FFF2-40B4-BE49-F238E27FC236}">
+                <a16:creationId xmlns:a16="http://schemas.microsoft.com/office/drawing/2014/main" id="{F87DA3F9-9418-49E8-B5E2-C2F8E9C5574B}"/>
+              </a:ext>
+            </a:extLst>
+          </p:cNvPr>
+          <p:cNvCxnSpPr/>
+          <p:nvPr/>
+        </p:nvCxnSpPr>
+        <p:spPr>
+          <a:xfrm>
+            <a:off x="1308962" y="3979508"/>
+            <a:ext cx="3759197" cy="0"/>
           </a:xfrm>
           <a:prstGeom prst="straightConnector1">
             <a:avLst/>
@@ -6252,189 +7427,51 @@
           </a:fontRef>
         </p:style>
       </p:cxnSp>
-      <p:cxnSp>
-        <p:nvCxnSpPr>
-          <p:cNvPr id="11" name="직선 화살표 연결선 10">
-            <a:extLst>
-              <a:ext uri="{FF2B5EF4-FFF2-40B4-BE49-F238E27FC236}">
-                <a16:creationId xmlns:a16="http://schemas.microsoft.com/office/drawing/2014/main" id="{A9870CB9-BB28-47E4-95E5-D9EE10EE7EFD}"/>
-              </a:ext>
-            </a:extLst>
-          </p:cNvPr>
-          <p:cNvCxnSpPr>
-            <a:cxnSpLocks/>
-            <a:stCxn id="5" idx="2"/>
-            <a:endCxn id="6" idx="0"/>
-          </p:cNvCxnSpPr>
+      <p:sp>
+        <p:nvSpPr>
+          <p:cNvPr id="59" name="직사각형 58">
+            <a:extLst>
+              <a:ext uri="{FF2B5EF4-FFF2-40B4-BE49-F238E27FC236}">
+                <a16:creationId xmlns:a16="http://schemas.microsoft.com/office/drawing/2014/main" id="{77CE87E0-E4FB-44C4-ABF2-43ED8953E09F}"/>
+              </a:ext>
+            </a:extLst>
+          </p:cNvPr>
+          <p:cNvSpPr/>
           <p:nvPr/>
-        </p:nvCxnSpPr>
-        <p:spPr>
-          <a:xfrm>
-            <a:off x="2207294" y="2352783"/>
-            <a:ext cx="0" cy="421432"/>
-          </a:xfrm>
-          <a:prstGeom prst="straightConnector1">
-            <a:avLst/>
-          </a:prstGeom>
-          <a:ln>
-            <a:solidFill>
-              <a:schemeClr val="tx1"/>
-            </a:solidFill>
-            <a:tailEnd type="triangle"/>
-          </a:ln>
-        </p:spPr>
-        <p:style>
-          <a:lnRef idx="1">
-            <a:schemeClr val="accent1"/>
-          </a:lnRef>
-          <a:fillRef idx="0">
-            <a:schemeClr val="accent1"/>
-          </a:fillRef>
-          <a:effectRef idx="0">
-            <a:schemeClr val="accent1"/>
-          </a:effectRef>
-          <a:fontRef idx="minor">
-            <a:schemeClr val="tx1"/>
-          </a:fontRef>
-        </p:style>
-      </p:cxnSp>
-      <p:cxnSp>
-        <p:nvCxnSpPr>
-          <p:cNvPr id="14" name="직선 화살표 연결선 13">
-            <a:extLst>
-              <a:ext uri="{FF2B5EF4-FFF2-40B4-BE49-F238E27FC236}">
-                <a16:creationId xmlns:a16="http://schemas.microsoft.com/office/drawing/2014/main" id="{D57245C9-6E3C-47F6-8449-470B9357B626}"/>
-              </a:ext>
-            </a:extLst>
-          </p:cNvPr>
-          <p:cNvCxnSpPr>
-            <a:cxnSpLocks/>
-            <a:stCxn id="6" idx="2"/>
-            <a:endCxn id="7" idx="0"/>
-          </p:cNvCxnSpPr>
-          <p:nvPr/>
-        </p:nvCxnSpPr>
-        <p:spPr>
-          <a:xfrm>
-            <a:off x="2207294" y="3307615"/>
-            <a:ext cx="0" cy="421432"/>
-          </a:xfrm>
-          <a:prstGeom prst="straightConnector1">
-            <a:avLst/>
-          </a:prstGeom>
-          <a:ln>
-            <a:solidFill>
-              <a:schemeClr val="tx1"/>
-            </a:solidFill>
-            <a:tailEnd type="triangle"/>
-          </a:ln>
-        </p:spPr>
-        <p:style>
-          <a:lnRef idx="1">
-            <a:schemeClr val="accent1"/>
-          </a:lnRef>
-          <a:fillRef idx="0">
-            <a:schemeClr val="accent1"/>
-          </a:fillRef>
-          <a:effectRef idx="0">
-            <a:schemeClr val="accent1"/>
-          </a:effectRef>
-          <a:fontRef idx="minor">
-            <a:schemeClr val="tx1"/>
-          </a:fontRef>
-        </p:style>
-      </p:cxnSp>
-      <p:cxnSp>
-        <p:nvCxnSpPr>
-          <p:cNvPr id="17" name="직선 화살표 연결선 16">
-            <a:extLst>
-              <a:ext uri="{FF2B5EF4-FFF2-40B4-BE49-F238E27FC236}">
-                <a16:creationId xmlns:a16="http://schemas.microsoft.com/office/drawing/2014/main" id="{EE0356AA-2853-4EF9-90A4-A64BAD043CE8}"/>
-              </a:ext>
-            </a:extLst>
-          </p:cNvPr>
-          <p:cNvCxnSpPr>
-            <a:cxnSpLocks/>
-          </p:cNvCxnSpPr>
-          <p:nvPr/>
-        </p:nvCxnSpPr>
-        <p:spPr>
-          <a:xfrm>
-            <a:off x="2207294" y="4262447"/>
-            <a:ext cx="0" cy="421432"/>
-          </a:xfrm>
-          <a:prstGeom prst="straightConnector1">
-            <a:avLst/>
-          </a:prstGeom>
-          <a:ln>
-            <a:solidFill>
-              <a:schemeClr val="tx1"/>
-            </a:solidFill>
-            <a:tailEnd type="triangle"/>
-          </a:ln>
-        </p:spPr>
-        <p:style>
-          <a:lnRef idx="1">
-            <a:schemeClr val="accent1"/>
-          </a:lnRef>
-          <a:fillRef idx="0">
-            <a:schemeClr val="accent1"/>
-          </a:fillRef>
-          <a:effectRef idx="0">
-            <a:schemeClr val="accent1"/>
-          </a:effectRef>
-          <a:fontRef idx="minor">
-            <a:schemeClr val="tx1"/>
-          </a:fontRef>
-        </p:style>
-      </p:cxnSp>
-      <p:sp>
-        <p:nvSpPr>
-          <p:cNvPr id="18" name="TextBox 17">
-            <a:extLst>
-              <a:ext uri="{FF2B5EF4-FFF2-40B4-BE49-F238E27FC236}">
-                <a16:creationId xmlns:a16="http://schemas.microsoft.com/office/drawing/2014/main" id="{77E14CA0-6C08-44F8-8B6F-B0AC6482E359}"/>
-              </a:ext>
-            </a:extLst>
-          </p:cNvPr>
-          <p:cNvSpPr txBox="1"/>
-          <p:nvPr/>
-        </p:nvSpPr>
-        <p:spPr>
-          <a:xfrm>
-            <a:off x="2207294" y="1485556"/>
-            <a:ext cx="2175587" cy="246221"/>
+        </p:nvSpPr>
+        <p:spPr>
+          <a:xfrm>
+            <a:off x="1308962" y="1620433"/>
+            <a:ext cx="3759195" cy="234448"/>
           </a:xfrm>
           <a:prstGeom prst="rect">
             <a:avLst/>
           </a:prstGeom>
-          <a:noFill/>
-        </p:spPr>
-        <p:txBody>
-          <a:bodyPr wrap="square" rtlCol="0">
-            <a:spAutoFit/>
-          </a:bodyPr>
-          <a:lstStyle/>
-          <a:p>
+        </p:spPr>
+        <p:style>
+          <a:lnRef idx="2">
+            <a:schemeClr val="accent1">
+              <a:shade val="50000"/>
+            </a:schemeClr>
+          </a:lnRef>
+          <a:fillRef idx="1">
+            <a:schemeClr val="accent1"/>
+          </a:fillRef>
+          <a:effectRef idx="0">
+            <a:schemeClr val="accent1"/>
+          </a:effectRef>
+          <a:fontRef idx="minor">
+            <a:schemeClr val="lt1"/>
+          </a:fontRef>
+        </p:style>
+        <p:txBody>
+          <a:bodyPr rtlCol="0" anchor="ctr"/>
+          <a:lstStyle/>
+          <a:p>
+            <a:pPr algn="ctr"/>
             <a:r>
               <a:rPr lang="en-US" altLang="ko-KR" sz="1000" dirty="0"/>
-              <a:t>approve(</a:t>
-            </a:r>
-            <a:r>
-              <a:rPr lang="en-US" altLang="ko-KR" sz="1000" dirty="0" err="1"/>
-              <a:t>orderId</a:t>
-            </a:r>
-            <a:r>
-              <a:rPr lang="en-US" altLang="ko-KR" sz="1000" dirty="0"/>
-              <a:t>, </a:t>
-            </a:r>
-            <a:r>
-              <a:rPr lang="en-US" altLang="ko-KR" sz="1000" dirty="0" err="1"/>
-              <a:t>idempotencyKey</a:t>
-            </a:r>
-            <a:r>
-              <a:rPr lang="en-US" altLang="ko-KR" sz="1000" dirty="0"/>
-              <a:t>)</a:t>
+              <a:t>Phase 1: Start Payment (/pay)</a:t>
             </a:r>
             <a:endParaRPr lang="ko-KR" altLang="en-US" sz="1000" dirty="0"/>
           </a:p>
@@ -6442,123 +7479,49 @@
       </p:sp>
       <p:sp>
         <p:nvSpPr>
-          <p:cNvPr id="19" name="TextBox 18">
-            <a:extLst>
-              <a:ext uri="{FF2B5EF4-FFF2-40B4-BE49-F238E27FC236}">
-                <a16:creationId xmlns:a16="http://schemas.microsoft.com/office/drawing/2014/main" id="{DA166527-32A3-44FE-AA84-29272DACD725}"/>
-              </a:ext>
-            </a:extLst>
-          </p:cNvPr>
-          <p:cNvSpPr txBox="1"/>
+          <p:cNvPr id="60" name="직사각형 59">
+            <a:extLst>
+              <a:ext uri="{FF2B5EF4-FFF2-40B4-BE49-F238E27FC236}">
+                <a16:creationId xmlns:a16="http://schemas.microsoft.com/office/drawing/2014/main" id="{40CDFD2F-B35B-49D6-AAE5-3D3757DCEBA4}"/>
+              </a:ext>
+            </a:extLst>
+          </p:cNvPr>
+          <p:cNvSpPr/>
           <p:nvPr/>
         </p:nvSpPr>
         <p:spPr>
           <a:xfrm>
-            <a:off x="2207294" y="2440388"/>
-            <a:ext cx="2175587" cy="246221"/>
+            <a:off x="1302448" y="2660492"/>
+            <a:ext cx="3759195" cy="234448"/>
           </a:xfrm>
           <a:prstGeom prst="rect">
             <a:avLst/>
           </a:prstGeom>
-          <a:noFill/>
-        </p:spPr>
-        <p:txBody>
-          <a:bodyPr wrap="square" rtlCol="0">
-            <a:spAutoFit/>
-          </a:bodyPr>
-          <a:lstStyle/>
-          <a:p>
-            <a:r>
-              <a:rPr lang="en-US" altLang="ko-KR" sz="1000" dirty="0" err="1"/>
-              <a:t>startPayment</a:t>
-            </a:r>
-            <a:r>
-              <a:rPr lang="en-US" altLang="ko-KR" sz="1000" dirty="0"/>
-              <a:t>()</a:t>
-            </a:r>
-            <a:endParaRPr lang="ko-KR" altLang="en-US" sz="1000" dirty="0"/>
-          </a:p>
-        </p:txBody>
-      </p:sp>
-      <p:sp>
-        <p:nvSpPr>
-          <p:cNvPr id="22" name="TextBox 21">
-            <a:extLst>
-              <a:ext uri="{FF2B5EF4-FFF2-40B4-BE49-F238E27FC236}">
-                <a16:creationId xmlns:a16="http://schemas.microsoft.com/office/drawing/2014/main" id="{331CDF4A-21A0-4A58-82FB-A43C2613782E}"/>
-              </a:ext>
-            </a:extLst>
-          </p:cNvPr>
-          <p:cNvSpPr txBox="1"/>
-          <p:nvPr/>
-        </p:nvSpPr>
-        <p:spPr>
-          <a:xfrm>
-            <a:off x="2207293" y="3388912"/>
-            <a:ext cx="2719266" cy="246221"/>
-          </a:xfrm>
-          <a:prstGeom prst="rect">
-            <a:avLst/>
-          </a:prstGeom>
-          <a:noFill/>
-        </p:spPr>
-        <p:txBody>
-          <a:bodyPr wrap="square" rtlCol="0">
-            <a:spAutoFit/>
-          </a:bodyPr>
-          <a:lstStyle/>
-          <a:p>
-            <a:r>
-              <a:rPr lang="en-US" altLang="ko-KR" sz="1000" dirty="0"/>
-              <a:t>save payment (UNIQUE </a:t>
-            </a:r>
-            <a:r>
-              <a:rPr lang="en-US" altLang="ko-KR" sz="1000" dirty="0" err="1"/>
-              <a:t>idempotency_key</a:t>
-            </a:r>
-            <a:r>
-              <a:rPr lang="en-US" altLang="ko-KR" sz="1000" dirty="0"/>
-              <a:t>)</a:t>
-            </a:r>
-            <a:endParaRPr lang="ko-KR" altLang="en-US" sz="1000" dirty="0"/>
-          </a:p>
-        </p:txBody>
-      </p:sp>
-      <p:sp>
-        <p:nvSpPr>
-          <p:cNvPr id="23" name="TextBox 22">
-            <a:extLst>
-              <a:ext uri="{FF2B5EF4-FFF2-40B4-BE49-F238E27FC236}">
-                <a16:creationId xmlns:a16="http://schemas.microsoft.com/office/drawing/2014/main" id="{054B771F-5D7C-4A75-B7BA-1584E8BF947C}"/>
-              </a:ext>
-            </a:extLst>
-          </p:cNvPr>
-          <p:cNvSpPr txBox="1"/>
-          <p:nvPr/>
-        </p:nvSpPr>
-        <p:spPr>
-          <a:xfrm>
-            <a:off x="2207293" y="4350052"/>
-            <a:ext cx="2719266" cy="246221"/>
-          </a:xfrm>
-          <a:prstGeom prst="rect">
-            <a:avLst/>
-          </a:prstGeom>
-          <a:noFill/>
-        </p:spPr>
-        <p:txBody>
-          <a:bodyPr wrap="square" rtlCol="0">
-            <a:spAutoFit/>
-          </a:bodyPr>
-          <a:lstStyle/>
-          <a:p>
-            <a:r>
-              <a:rPr lang="en-US" altLang="ko-KR" sz="1000" dirty="0" err="1"/>
-              <a:t>markPaid</a:t>
-            </a:r>
-            <a:r>
-              <a:rPr lang="en-US" altLang="ko-KR" sz="1000" dirty="0"/>
-              <a:t>()</a:t>
+        </p:spPr>
+        <p:style>
+          <a:lnRef idx="2">
+            <a:schemeClr val="accent1">
+              <a:shade val="50000"/>
+            </a:schemeClr>
+          </a:lnRef>
+          <a:fillRef idx="1">
+            <a:schemeClr val="accent1"/>
+          </a:fillRef>
+          <a:effectRef idx="0">
+            <a:schemeClr val="accent1"/>
+          </a:effectRef>
+          <a:fontRef idx="minor">
+            <a:schemeClr val="lt1"/>
+          </a:fontRef>
+        </p:style>
+        <p:txBody>
+          <a:bodyPr rtlCol="0" anchor="ctr"/>
+          <a:lstStyle/>
+          <a:p>
+            <a:pPr algn="ctr"/>
+            <a:r>
+              <a:rPr lang="en-US" altLang="ko-KR" sz="1000"/>
+              <a:t>Phase 2: Approve Payment (/approve)</a:t>
             </a:r>
             <a:endParaRPr lang="ko-KR" altLang="en-US" sz="1000" dirty="0"/>
           </a:p>
